--- a/DataEnggFinalProjectPPT.pptx
+++ b/DataEnggFinalProjectPPT.pptx
@@ -6,7 +6,7 @@
     <p:sldMasterId id="2147483660" r:id="rId2"/>
   </p:sldMasterIdLst>
   <p:notesMasterIdLst>
-    <p:notesMasterId r:id="rId28"/>
+    <p:notesMasterId r:id="rId30"/>
   </p:notesMasterIdLst>
   <p:sldIdLst>
     <p:sldId id="1607" r:id="rId3"/>
@@ -28,12 +28,14 @@
     <p:sldId id="259" r:id="rId19"/>
     <p:sldId id="263" r:id="rId20"/>
     <p:sldId id="261" r:id="rId21"/>
-    <p:sldId id="271" r:id="rId22"/>
-    <p:sldId id="268" r:id="rId23"/>
-    <p:sldId id="269" r:id="rId24"/>
-    <p:sldId id="270" r:id="rId25"/>
-    <p:sldId id="281" r:id="rId26"/>
-    <p:sldId id="265" r:id="rId27"/>
+    <p:sldId id="256" r:id="rId22"/>
+    <p:sldId id="1608" r:id="rId23"/>
+    <p:sldId id="271" r:id="rId24"/>
+    <p:sldId id="268" r:id="rId25"/>
+    <p:sldId id="269" r:id="rId26"/>
+    <p:sldId id="270" r:id="rId27"/>
+    <p:sldId id="281" r:id="rId28"/>
+    <p:sldId id="265" r:id="rId29"/>
   </p:sldIdLst>
   <p:sldSz cx="12192000" cy="6858000"/>
   <p:notesSz cx="6858000" cy="9144000"/>
@@ -5440,8 +5442,8 @@
     <dgm:cxn modelId="{E5B86220-903B-45EA-AA5B-72011DF101C8}" type="presOf" srcId="{45C3E29F-11D2-48AF-B71C-8D546EF6B0A0}" destId="{3557AD28-DD1E-474A-87E0-AB7A663F66C6}" srcOrd="0" destOrd="0" presId="urn:microsoft.com/office/officeart/2018/2/layout/IconVerticalSolidList"/>
     <dgm:cxn modelId="{427E6F20-AD33-465E-BCB3-E1E017B2D1D4}" type="presOf" srcId="{C4C28D56-836D-47C1-B6A7-227A5374DFF6}" destId="{7F90A554-BF47-43E6-BF04-2BC4ED74E5EF}" srcOrd="0" destOrd="0" presId="urn:microsoft.com/office/officeart/2018/2/layout/IconVerticalSolidList"/>
     <dgm:cxn modelId="{CD97E132-7B6B-43D9-8F18-E76FE7D0A5CF}" type="presOf" srcId="{1DD79530-FC5C-4522-A79C-37D87B493B16}" destId="{6FED804F-DEF9-4FA8-A453-A9E5B85FB7E9}" srcOrd="0" destOrd="0" presId="urn:microsoft.com/office/officeart/2018/2/layout/IconVerticalSolidList"/>
+    <dgm:cxn modelId="{9C6A9F70-1663-4F82-BCA5-681B013ED043}" type="presOf" srcId="{5D4BAB1C-2D3B-4A4E-B5BA-3D5D3FBDEE37}" destId="{54B167F8-EA04-46DD-8FF1-F2D785209F2D}" srcOrd="0" destOrd="0" presId="urn:microsoft.com/office/officeart/2018/2/layout/IconVerticalSolidList"/>
     <dgm:cxn modelId="{7ACEEE59-E048-4FA8-92C1-70F3B74B2374}" srcId="{45C3E29F-11D2-48AF-B71C-8D546EF6B0A0}" destId="{C4C28D56-836D-47C1-B6A7-227A5374DFF6}" srcOrd="1" destOrd="0" parTransId="{8CA2E5E7-07EC-4F51-A43B-5108540CAA15}" sibTransId="{61E2684C-C6A8-4D61-87DF-4A5B879E2261}"/>
-    <dgm:cxn modelId="{9C6A9F70-1663-4F82-BCA5-681B013ED043}" type="presOf" srcId="{5D4BAB1C-2D3B-4A4E-B5BA-3D5D3FBDEE37}" destId="{54B167F8-EA04-46DD-8FF1-F2D785209F2D}" srcOrd="0" destOrd="0" presId="urn:microsoft.com/office/officeart/2018/2/layout/IconVerticalSolidList"/>
     <dgm:cxn modelId="{B2EE4BDF-DAE0-49DD-9CD1-B73D06287719}" srcId="{45C3E29F-11D2-48AF-B71C-8D546EF6B0A0}" destId="{1DD79530-FC5C-4522-A79C-37D87B493B16}" srcOrd="2" destOrd="0" parTransId="{1E6BA9C4-B864-413B-9DF9-04A0FDBF3C0A}" sibTransId="{282CF501-0DF0-45BA-B71D-A158FFA15DDF}"/>
     <dgm:cxn modelId="{1AAC35C5-9CB5-4335-98D1-256ACDA407D7}" type="presParOf" srcId="{3557AD28-DD1E-474A-87E0-AB7A663F66C6}" destId="{C62D3EE3-42CE-4D45-AE94-EC8EA2F02EE0}" srcOrd="0" destOrd="0" presId="urn:microsoft.com/office/officeart/2018/2/layout/IconVerticalSolidList"/>
     <dgm:cxn modelId="{1463E54F-996C-4E72-95A8-2FBA4F2C39F5}" type="presParOf" srcId="{C62D3EE3-42CE-4D45-AE94-EC8EA2F02EE0}" destId="{D15D1966-0E85-48A8-9529-0397D8004983}" srcOrd="0" destOrd="0" presId="urn:microsoft.com/office/officeart/2018/2/layout/IconVerticalSolidList"/>
@@ -6167,8 +6169,8 @@
     </dgm:pt>
   </dgm:ptLst>
   <dgm:cxnLst>
+    <dgm:cxn modelId="{D841FB6A-1346-4905-A8A6-A000E382E6D8}" srcId="{CEEE1CD9-1DFE-455D-A0D5-3E139C097CE6}" destId="{35800E7D-D880-4E8D-9F10-944D0D0D120B}" srcOrd="2" destOrd="0" parTransId="{D754C910-391A-4A82-891C-D76C5E9F0279}" sibTransId="{25CB2361-913B-404B-BA7B-2A776242F5C7}"/>
     <dgm:cxn modelId="{1C952E53-2ECC-2A4D-9CD0-CAC9C61E0EC8}" type="presOf" srcId="{CEEE1CD9-1DFE-455D-A0D5-3E139C097CE6}" destId="{CA6B1C3F-34F4-C242-856E-D0781CEE1EFC}" srcOrd="0" destOrd="0" presId="urn:microsoft.com/office/officeart/2005/8/layout/vList2"/>
-    <dgm:cxn modelId="{D841FB6A-1346-4905-A8A6-A000E382E6D8}" srcId="{CEEE1CD9-1DFE-455D-A0D5-3E139C097CE6}" destId="{35800E7D-D880-4E8D-9F10-944D0D0D120B}" srcOrd="2" destOrd="0" parTransId="{D754C910-391A-4A82-891C-D76C5E9F0279}" sibTransId="{25CB2361-913B-404B-BA7B-2A776242F5C7}"/>
     <dgm:cxn modelId="{70B04493-0880-4D35-A410-667310D413FB}" srcId="{CEEE1CD9-1DFE-455D-A0D5-3E139C097CE6}" destId="{86406CDE-F196-4E2F-807C-831A1133A8B9}" srcOrd="0" destOrd="0" parTransId="{2DC81ED7-ABD0-499E-B716-33083DC17DDA}" sibTransId="{8447D69D-5772-4ED6-9F5D-CCAC30C8252F}"/>
     <dgm:cxn modelId="{2BD17098-CBD1-4BF1-987D-7D7C089D9613}" srcId="{CEEE1CD9-1DFE-455D-A0D5-3E139C097CE6}" destId="{76413572-7BC9-4750-B475-1DF281A1EC96}" srcOrd="1" destOrd="0" parTransId="{F9FD8B1F-DD80-47AE-9C08-6DF4AAFE7339}" sibTransId="{06451A30-A44F-4633-A1BB-5B72BD330937}"/>
     <dgm:cxn modelId="{4E32A79B-F3CC-7B45-AC90-FBF9467D1A07}" type="presOf" srcId="{35800E7D-D880-4E8D-9F10-944D0D0D120B}" destId="{29599865-5AA8-D846-BCFB-BB715361447D}" srcOrd="0" destOrd="0" presId="urn:microsoft.com/office/officeart/2005/8/layout/vList2"/>
@@ -6718,7 +6720,7 @@
       </dsp:nvSpPr>
       <dsp:spPr>
         <a:xfrm>
-          <a:off x="0" y="785708"/>
+          <a:off x="0" y="785709"/>
           <a:ext cx="10515600" cy="638820"/>
         </a:xfrm>
         <a:prstGeom prst="roundRect">
@@ -6785,7 +6787,7 @@
         </a:p>
       </dsp:txBody>
       <dsp:txXfrm>
-        <a:off x="31185" y="816893"/>
+        <a:off x="31185" y="816894"/>
         <a:ext cx="10453230" cy="576450"/>
       </dsp:txXfrm>
     </dsp:sp>
@@ -16650,7 +16652,7 @@
           <a:p>
             <a:fld id="{93967DB5-A3E6-4610-A4F6-DB08F46D69A3}" type="datetimeFigureOut">
               <a:rPr lang="en-US" smtClean="0"/>
-              <a:t>12/5/24</a:t>
+              <a:t>12/5/2024</a:t>
             </a:fld>
             <a:endParaRPr lang="en-US"/>
           </a:p>
@@ -16982,7 +16984,7 @@
           <a:p>
             <a:fld id="{D9DC0902-B928-4F0F-BBCD-04DEB66ED9A2}" type="slidenum">
               <a:rPr lang="en-US" smtClean="0"/>
-              <a:t>25</a:t>
+              <a:t>27</a:t>
             </a:fld>
             <a:endParaRPr lang="en-US"/>
           </a:p>
@@ -17148,7 +17150,7 @@
           <a:p>
             <a:fld id="{B07D26D2-3556-45FC-B13E-3E27378A0FD4}" type="datetimeFigureOut">
               <a:rPr lang="en-US" smtClean="0"/>
-              <a:t>12/5/24</a:t>
+              <a:t>12/5/2024</a:t>
             </a:fld>
             <a:endParaRPr lang="en-US"/>
           </a:p>
@@ -17346,7 +17348,7 @@
           <a:p>
             <a:fld id="{B07D26D2-3556-45FC-B13E-3E27378A0FD4}" type="datetimeFigureOut">
               <a:rPr lang="en-US" smtClean="0"/>
-              <a:t>12/5/24</a:t>
+              <a:t>12/5/2024</a:t>
             </a:fld>
             <a:endParaRPr lang="en-US"/>
           </a:p>
@@ -17554,7 +17556,7 @@
           <a:p>
             <a:fld id="{B07D26D2-3556-45FC-B13E-3E27378A0FD4}" type="datetimeFigureOut">
               <a:rPr lang="en-US" smtClean="0"/>
-              <a:t>12/5/24</a:t>
+              <a:t>12/5/2024</a:t>
             </a:fld>
             <a:endParaRPr lang="en-US"/>
           </a:p>
@@ -19569,7 +19571,7 @@
           <a:p>
             <a:fld id="{B07D26D2-3556-45FC-B13E-3E27378A0FD4}" type="datetimeFigureOut">
               <a:rPr lang="en-US" smtClean="0"/>
-              <a:t>12/5/24</a:t>
+              <a:t>12/5/2024</a:t>
             </a:fld>
             <a:endParaRPr lang="en-US"/>
           </a:p>
@@ -20931,7 +20933,7 @@
           <a:p>
             <a:fld id="{B07D26D2-3556-45FC-B13E-3E27378A0FD4}" type="datetimeFigureOut">
               <a:rPr lang="en-US" smtClean="0"/>
-              <a:t>12/5/24</a:t>
+              <a:t>12/5/2024</a:t>
             </a:fld>
             <a:endParaRPr lang="en-US"/>
           </a:p>
@@ -21196,7 +21198,7 @@
           <a:p>
             <a:fld id="{B07D26D2-3556-45FC-B13E-3E27378A0FD4}" type="datetimeFigureOut">
               <a:rPr lang="en-US" smtClean="0"/>
-              <a:t>12/5/24</a:t>
+              <a:t>12/5/2024</a:t>
             </a:fld>
             <a:endParaRPr lang="en-US"/>
           </a:p>
@@ -21608,7 +21610,7 @@
           <a:p>
             <a:fld id="{B07D26D2-3556-45FC-B13E-3E27378A0FD4}" type="datetimeFigureOut">
               <a:rPr lang="en-US" smtClean="0"/>
-              <a:t>12/5/24</a:t>
+              <a:t>12/5/2024</a:t>
             </a:fld>
             <a:endParaRPr lang="en-US"/>
           </a:p>
@@ -21749,7 +21751,7 @@
           <a:p>
             <a:fld id="{B07D26D2-3556-45FC-B13E-3E27378A0FD4}" type="datetimeFigureOut">
               <a:rPr lang="en-US" smtClean="0"/>
-              <a:t>12/5/24</a:t>
+              <a:t>12/5/2024</a:t>
             </a:fld>
             <a:endParaRPr lang="en-US"/>
           </a:p>
@@ -21862,7 +21864,7 @@
           <a:p>
             <a:fld id="{B07D26D2-3556-45FC-B13E-3E27378A0FD4}" type="datetimeFigureOut">
               <a:rPr lang="en-US" smtClean="0"/>
-              <a:t>12/5/24</a:t>
+              <a:t>12/5/2024</a:t>
             </a:fld>
             <a:endParaRPr lang="en-US"/>
           </a:p>
@@ -22173,7 +22175,7 @@
           <a:p>
             <a:fld id="{B07D26D2-3556-45FC-B13E-3E27378A0FD4}" type="datetimeFigureOut">
               <a:rPr lang="en-US" smtClean="0"/>
-              <a:t>12/5/24</a:t>
+              <a:t>12/5/2024</a:t>
             </a:fld>
             <a:endParaRPr lang="en-US"/>
           </a:p>
@@ -22461,7 +22463,7 @@
           <a:p>
             <a:fld id="{B07D26D2-3556-45FC-B13E-3E27378A0FD4}" type="datetimeFigureOut">
               <a:rPr lang="en-US" smtClean="0"/>
-              <a:t>12/5/24</a:t>
+              <a:t>12/5/2024</a:t>
             </a:fld>
             <a:endParaRPr lang="en-US"/>
           </a:p>
@@ -22702,7 +22704,7 @@
           <a:p>
             <a:fld id="{B07D26D2-3556-45FC-B13E-3E27378A0FD4}" type="datetimeFigureOut">
               <a:rPr lang="en-US" smtClean="0"/>
-              <a:t>12/5/24</a:t>
+              <a:t>12/5/2024</a:t>
             </a:fld>
             <a:endParaRPr lang="en-US"/>
           </a:p>
@@ -28278,6 +28280,674 @@
       </p:grpSpPr>
       <p:sp>
         <p:nvSpPr>
+          <p:cNvPr id="8" name="Title 7">
+            <a:extLst>
+              <a:ext uri="{FF2B5EF4-FFF2-40B4-BE49-F238E27FC236}">
+                <a16:creationId xmlns:a16="http://schemas.microsoft.com/office/drawing/2014/main" id="{4E39EA7C-5578-33A6-98BF-E73173268FB9}"/>
+              </a:ext>
+            </a:extLst>
+          </p:cNvPr>
+          <p:cNvSpPr>
+            <a:spLocks noGrp="1"/>
+          </p:cNvSpPr>
+          <p:nvPr>
+            <p:ph type="title"/>
+          </p:nvPr>
+        </p:nvSpPr>
+        <p:spPr>
+          <a:xfrm>
+            <a:off x="838200" y="1364566"/>
+            <a:ext cx="5042095" cy="5100173"/>
+          </a:xfrm>
+        </p:spPr>
+        <p:txBody>
+          <a:bodyPr anchor="t"/>
+          <a:lstStyle/>
+          <a:p>
+            <a:r>
+              <a:rPr lang="en-US" sz="3200" dirty="0">
+                <a:latin typeface="+mn-lt"/>
+                <a:ea typeface="+mn-ea"/>
+                <a:cs typeface="+mn-cs"/>
+              </a:rPr>
+              <a:t>Grid</a:t>
+            </a:r>
+            <a:r>
+              <a:rPr lang="en-US" sz="3200" dirty="0">
+                <a:cs typeface="Arial" panose="020B0604020202020204" pitchFamily="34" charset="0"/>
+              </a:rPr>
+              <a:t> </a:t>
+            </a:r>
+            <a:r>
+              <a:rPr lang="en-US" sz="3200" dirty="0">
+                <a:latin typeface="+mn-lt"/>
+                <a:ea typeface="+mn-ea"/>
+                <a:cs typeface="+mn-cs"/>
+              </a:rPr>
+              <a:t>Data</a:t>
+            </a:r>
+            <a:br>
+              <a:rPr lang="en-US" sz="3200" dirty="0">
+                <a:cs typeface="Arial" panose="020B0604020202020204" pitchFamily="34" charset="0"/>
+              </a:rPr>
+            </a:br>
+            <a:br>
+              <a:rPr lang="en-US" dirty="0"/>
+            </a:br>
+            <a:br>
+              <a:rPr lang="en-US" dirty="0"/>
+            </a:br>
+            <a:r>
+              <a:rPr lang="en-US" sz="3200" dirty="0">
+                <a:latin typeface="+mn-lt"/>
+                <a:ea typeface="+mn-ea"/>
+                <a:cs typeface="+mn-cs"/>
+              </a:rPr>
+              <a:t>Weather Data</a:t>
+            </a:r>
+            <a:br>
+              <a:rPr lang="en-US" dirty="0"/>
+            </a:br>
+            <a:endParaRPr lang="en-US" dirty="0"/>
+          </a:p>
+        </p:txBody>
+      </p:sp>
+      <p:sp>
+        <p:nvSpPr>
+          <p:cNvPr id="9" name="Content Placeholder 8">
+            <a:extLst>
+              <a:ext uri="{FF2B5EF4-FFF2-40B4-BE49-F238E27FC236}">
+                <a16:creationId xmlns:a16="http://schemas.microsoft.com/office/drawing/2014/main" id="{F4D484F2-F78B-89B3-3822-718A135C8DF1}"/>
+              </a:ext>
+            </a:extLst>
+          </p:cNvPr>
+          <p:cNvSpPr>
+            <a:spLocks noGrp="1"/>
+          </p:cNvSpPr>
+          <p:nvPr>
+            <p:ph idx="1"/>
+          </p:nvPr>
+        </p:nvSpPr>
+        <p:spPr>
+          <a:xfrm>
+            <a:off x="6096000" y="1561512"/>
+            <a:ext cx="5257800" cy="5100173"/>
+          </a:xfrm>
+        </p:spPr>
+        <p:txBody>
+          <a:bodyPr>
+            <a:normAutofit lnSpcReduction="10000"/>
+          </a:bodyPr>
+          <a:lstStyle/>
+          <a:p>
+            <a:r>
+              <a:rPr lang="en-GB" b="1" dirty="0"/>
+              <a:t>Missing Values Check:</a:t>
+            </a:r>
+            <a:r>
+              <a:rPr lang="en-GB" dirty="0"/>
+              <a:t> We analysed both datasets (electricity and weather) to ensure data completeness.</a:t>
+            </a:r>
+          </a:p>
+          <a:p>
+            <a:r>
+              <a:rPr lang="en-GB" b="1" dirty="0"/>
+              <a:t>Observation:</a:t>
+            </a:r>
+            <a:r>
+              <a:rPr lang="en-GB" dirty="0"/>
+              <a:t> No missing values were found in any columns, indicating that both datasets are complete and ready for further preprocessing.</a:t>
+            </a:r>
+          </a:p>
+          <a:p>
+            <a:r>
+              <a:rPr lang="en-GB" b="1" dirty="0"/>
+              <a:t>Significance:</a:t>
+            </a:r>
+            <a:r>
+              <a:rPr lang="en-GB" dirty="0"/>
+              <a:t> Accurate data is critical for reliable forecasting models, and this step validates the integrity of our datasets.</a:t>
+            </a:r>
+            <a:endParaRPr lang="en-US" dirty="0"/>
+          </a:p>
+        </p:txBody>
+      </p:sp>
+      <p:pic>
+        <p:nvPicPr>
+          <p:cNvPr id="11" name="Picture 10">
+            <a:extLst>
+              <a:ext uri="{FF2B5EF4-FFF2-40B4-BE49-F238E27FC236}">
+                <a16:creationId xmlns:a16="http://schemas.microsoft.com/office/drawing/2014/main" id="{7C1D6FC8-267C-DE06-8FE4-82D60820B65D}"/>
+              </a:ext>
+            </a:extLst>
+          </p:cNvPr>
+          <p:cNvPicPr>
+            <a:picLocks noChangeAspect="1"/>
+          </p:cNvPicPr>
+          <p:nvPr/>
+        </p:nvPicPr>
+        <p:blipFill>
+          <a:blip r:embed="rId2"/>
+          <a:stretch>
+            <a:fillRect/>
+          </a:stretch>
+        </p:blipFill>
+        <p:spPr>
+          <a:xfrm>
+            <a:off x="838201" y="1977398"/>
+            <a:ext cx="4629795" cy="918785"/>
+          </a:xfrm>
+          <a:prstGeom prst="rect">
+            <a:avLst/>
+          </a:prstGeom>
+        </p:spPr>
+      </p:pic>
+      <p:pic>
+        <p:nvPicPr>
+          <p:cNvPr id="13" name="Picture 12">
+            <a:extLst>
+              <a:ext uri="{FF2B5EF4-FFF2-40B4-BE49-F238E27FC236}">
+                <a16:creationId xmlns:a16="http://schemas.microsoft.com/office/drawing/2014/main" id="{CDE54FD8-1250-9B14-D894-44F315A976C4}"/>
+              </a:ext>
+            </a:extLst>
+          </p:cNvPr>
+          <p:cNvPicPr>
+            <a:picLocks noChangeAspect="1"/>
+          </p:cNvPicPr>
+          <p:nvPr/>
+        </p:nvPicPr>
+        <p:blipFill>
+          <a:blip r:embed="rId3"/>
+          <a:stretch>
+            <a:fillRect/>
+          </a:stretch>
+        </p:blipFill>
+        <p:spPr>
+          <a:xfrm>
+            <a:off x="838199" y="3581742"/>
+            <a:ext cx="4629796" cy="704948"/>
+          </a:xfrm>
+          <a:prstGeom prst="rect">
+            <a:avLst/>
+          </a:prstGeom>
+        </p:spPr>
+      </p:pic>
+      <p:pic>
+        <p:nvPicPr>
+          <p:cNvPr id="15" name="Picture 14">
+            <a:extLst>
+              <a:ext uri="{FF2B5EF4-FFF2-40B4-BE49-F238E27FC236}">
+                <a16:creationId xmlns:a16="http://schemas.microsoft.com/office/drawing/2014/main" id="{6C791607-C8FD-6219-0695-08A24EEC765B}"/>
+              </a:ext>
+            </a:extLst>
+          </p:cNvPr>
+          <p:cNvPicPr>
+            <a:picLocks noChangeAspect="1"/>
+          </p:cNvPicPr>
+          <p:nvPr/>
+        </p:nvPicPr>
+        <p:blipFill>
+          <a:blip r:embed="rId4"/>
+          <a:stretch>
+            <a:fillRect/>
+          </a:stretch>
+        </p:blipFill>
+        <p:spPr>
+          <a:xfrm>
+            <a:off x="838200" y="4287667"/>
+            <a:ext cx="4629796" cy="704948"/>
+          </a:xfrm>
+          <a:prstGeom prst="rect">
+            <a:avLst/>
+          </a:prstGeom>
+        </p:spPr>
+      </p:pic>
+      <p:pic>
+        <p:nvPicPr>
+          <p:cNvPr id="17" name="Picture 16">
+            <a:extLst>
+              <a:ext uri="{FF2B5EF4-FFF2-40B4-BE49-F238E27FC236}">
+                <a16:creationId xmlns:a16="http://schemas.microsoft.com/office/drawing/2014/main" id="{7F5F69F8-AF28-4804-38FE-36BE625585F9}"/>
+              </a:ext>
+            </a:extLst>
+          </p:cNvPr>
+          <p:cNvPicPr>
+            <a:picLocks noChangeAspect="1"/>
+          </p:cNvPicPr>
+          <p:nvPr/>
+        </p:nvPicPr>
+        <p:blipFill>
+          <a:blip r:embed="rId5"/>
+          <a:stretch>
+            <a:fillRect/>
+          </a:stretch>
+        </p:blipFill>
+        <p:spPr>
+          <a:xfrm>
+            <a:off x="838200" y="4987850"/>
+            <a:ext cx="4629796" cy="714475"/>
+          </a:xfrm>
+          <a:prstGeom prst="rect">
+            <a:avLst/>
+          </a:prstGeom>
+        </p:spPr>
+      </p:pic>
+      <p:pic>
+        <p:nvPicPr>
+          <p:cNvPr id="19" name="Picture 18">
+            <a:extLst>
+              <a:ext uri="{FF2B5EF4-FFF2-40B4-BE49-F238E27FC236}">
+                <a16:creationId xmlns:a16="http://schemas.microsoft.com/office/drawing/2014/main" id="{A3CA1DF6-3141-258A-0007-5F27979F89D1}"/>
+              </a:ext>
+            </a:extLst>
+          </p:cNvPr>
+          <p:cNvPicPr>
+            <a:picLocks noChangeAspect="1"/>
+          </p:cNvPicPr>
+          <p:nvPr/>
+        </p:nvPicPr>
+        <p:blipFill>
+          <a:blip r:embed="rId6"/>
+          <a:stretch>
+            <a:fillRect/>
+          </a:stretch>
+        </p:blipFill>
+        <p:spPr>
+          <a:xfrm>
+            <a:off x="838199" y="5677197"/>
+            <a:ext cx="2143424" cy="733527"/>
+          </a:xfrm>
+          <a:prstGeom prst="rect">
+            <a:avLst/>
+          </a:prstGeom>
+        </p:spPr>
+      </p:pic>
+      <p:sp>
+        <p:nvSpPr>
+          <p:cNvPr id="20" name="Title 7">
+            <a:extLst>
+              <a:ext uri="{FF2B5EF4-FFF2-40B4-BE49-F238E27FC236}">
+                <a16:creationId xmlns:a16="http://schemas.microsoft.com/office/drawing/2014/main" id="{9D919650-23A8-713A-4C0D-57F6ADB143CE}"/>
+              </a:ext>
+            </a:extLst>
+          </p:cNvPr>
+          <p:cNvSpPr txBox="1">
+            <a:spLocks/>
+          </p:cNvSpPr>
+          <p:nvPr/>
+        </p:nvSpPr>
+        <p:spPr>
+          <a:xfrm>
+            <a:off x="838200" y="365125"/>
+            <a:ext cx="10515600" cy="999441"/>
+          </a:xfrm>
+          <a:prstGeom prst="rect">
+            <a:avLst/>
+          </a:prstGeom>
+        </p:spPr>
+        <p:txBody>
+          <a:bodyPr vert="horz" lIns="91440" tIns="45720" rIns="91440" bIns="45720" rtlCol="0" anchor="ctr">
+            <a:normAutofit/>
+          </a:bodyPr>
+          <a:lstStyle>
+            <a:lvl1pPr algn="l" defTabSz="914400" rtl="0" eaLnBrk="1" latinLnBrk="0" hangingPunct="1">
+              <a:lnSpc>
+                <a:spcPct val="90000"/>
+              </a:lnSpc>
+              <a:spcBef>
+                <a:spcPct val="0"/>
+              </a:spcBef>
+              <a:buNone/>
+              <a:defRPr sz="4400" kern="1200">
+                <a:solidFill>
+                  <a:schemeClr val="tx1"/>
+                </a:solidFill>
+                <a:latin typeface="+mj-lt"/>
+                <a:ea typeface="+mj-ea"/>
+                <a:cs typeface="+mj-cs"/>
+              </a:defRPr>
+            </a:lvl1pPr>
+          </a:lstStyle>
+          <a:p>
+            <a:pPr algn="ctr"/>
+            <a:r>
+              <a:rPr lang="en-US" sz="4300" b="1" dirty="0">
+                <a:latin typeface="+mn-lt"/>
+                <a:ea typeface="+mn-ea"/>
+                <a:cs typeface="+mn-cs"/>
+              </a:rPr>
+              <a:t>Missing</a:t>
+            </a:r>
+            <a:r>
+              <a:rPr lang="en-US" sz="4300" b="1" dirty="0">
+                <a:latin typeface="+mn-lt"/>
+                <a:ea typeface="+mn-ea"/>
+                <a:cs typeface="Arial" panose="020B0604020202020204" pitchFamily="34" charset="0"/>
+              </a:rPr>
+              <a:t> </a:t>
+            </a:r>
+            <a:r>
+              <a:rPr lang="en-US" sz="4300" b="1" dirty="0">
+                <a:latin typeface="+mn-lt"/>
+                <a:ea typeface="+mn-ea"/>
+                <a:cs typeface="+mn-cs"/>
+              </a:rPr>
+              <a:t>Values</a:t>
+            </a:r>
+          </a:p>
+        </p:txBody>
+      </p:sp>
+    </p:spTree>
+    <p:extLst>
+      <p:ext uri="{BB962C8B-B14F-4D97-AF65-F5344CB8AC3E}">
+        <p14:creationId xmlns:p14="http://schemas.microsoft.com/office/powerpoint/2010/main" val="3538133696"/>
+      </p:ext>
+    </p:extLst>
+  </p:cSld>
+  <p:clrMapOvr>
+    <a:masterClrMapping/>
+  </p:clrMapOvr>
+</p:sld>
+</file>
+
+<file path=ppt/slides/slide21.xml><?xml version="1.0" encoding="utf-8"?>
+<p:sld xmlns:a="http://schemas.openxmlformats.org/drawingml/2006/main" xmlns:r="http://schemas.openxmlformats.org/officeDocument/2006/relationships" xmlns:p="http://schemas.openxmlformats.org/presentationml/2006/main">
+  <p:cSld>
+    <p:spTree>
+      <p:nvGrpSpPr>
+        <p:cNvPr id="1" name=""/>
+        <p:cNvGrpSpPr/>
+        <p:nvPr/>
+      </p:nvGrpSpPr>
+      <p:grpSpPr>
+        <a:xfrm>
+          <a:off x="0" y="0"/>
+          <a:ext cx="0" cy="0"/>
+          <a:chOff x="0" y="0"/>
+          <a:chExt cx="0" cy="0"/>
+        </a:xfrm>
+      </p:grpSpPr>
+      <p:sp>
+        <p:nvSpPr>
+          <p:cNvPr id="2" name="Title 1"/>
+          <p:cNvSpPr>
+            <a:spLocks noGrp="1"/>
+          </p:cNvSpPr>
+          <p:nvPr>
+            <p:ph type="title"/>
+          </p:nvPr>
+        </p:nvSpPr>
+        <p:spPr>
+          <a:xfrm>
+            <a:off x="838200" y="365126"/>
+            <a:ext cx="10515600" cy="943170"/>
+          </a:xfrm>
+        </p:spPr>
+        <p:txBody>
+          <a:bodyPr>
+            <a:normAutofit/>
+          </a:bodyPr>
+          <a:lstStyle/>
+          <a:p>
+            <a:pPr algn="ctr" defTabSz="457200"/>
+            <a:r>
+              <a:rPr dirty="0"/>
+              <a:t>Forecasting Model Overview</a:t>
+            </a:r>
+          </a:p>
+        </p:txBody>
+      </p:sp>
+      <p:sp>
+        <p:nvSpPr>
+          <p:cNvPr id="3" name="Content Placeholder 2"/>
+          <p:cNvSpPr>
+            <a:spLocks noGrp="1"/>
+          </p:cNvSpPr>
+          <p:nvPr>
+            <p:ph idx="1"/>
+          </p:nvPr>
+        </p:nvSpPr>
+        <p:spPr>
+          <a:xfrm>
+            <a:off x="838200" y="1491175"/>
+            <a:ext cx="5257799" cy="4515730"/>
+          </a:xfrm>
+        </p:spPr>
+        <p:txBody>
+          <a:bodyPr>
+            <a:normAutofit fontScale="92500" lnSpcReduction="20000"/>
+          </a:bodyPr>
+          <a:lstStyle/>
+          <a:p>
+            <a:pPr marL="0" indent="0" defTabSz="457200">
+              <a:lnSpc>
+                <a:spcPct val="100000"/>
+              </a:lnSpc>
+              <a:spcBef>
+                <a:spcPct val="20000"/>
+              </a:spcBef>
+              <a:buFont typeface="Arial"/>
+              <a:buNone/>
+            </a:pPr>
+            <a:r>
+              <a:rPr sz="2000" b="1" dirty="0"/>
+              <a:t>1. Historical Data Preparation:</a:t>
+            </a:r>
+            <a:endParaRPr lang="en-US" sz="2000" b="1" dirty="0"/>
+          </a:p>
+          <a:p>
+            <a:pPr defTabSz="457200">
+              <a:lnSpc>
+                <a:spcPct val="100000"/>
+              </a:lnSpc>
+              <a:spcBef>
+                <a:spcPct val="20000"/>
+              </a:spcBef>
+              <a:buFont typeface="Arial"/>
+            </a:pPr>
+            <a:r>
+              <a:rPr sz="2000" dirty="0"/>
+              <a:t>Data includes features like Temperature, Humidity, Wind Speed, and Consumption.</a:t>
+            </a:r>
+            <a:endParaRPr lang="en-US" sz="2000" dirty="0"/>
+          </a:p>
+          <a:p>
+            <a:pPr defTabSz="457200">
+              <a:lnSpc>
+                <a:spcPct val="100000"/>
+              </a:lnSpc>
+              <a:spcBef>
+                <a:spcPct val="20000"/>
+              </a:spcBef>
+              <a:buFont typeface="Arial"/>
+            </a:pPr>
+            <a:r>
+              <a:rPr lang="en-GB" sz="2000" dirty="0"/>
+              <a:t>Target variable: </a:t>
+            </a:r>
+            <a:r>
+              <a:rPr lang="en-GB" sz="2000" dirty="0" err="1"/>
+              <a:t>Avg</a:t>
+            </a:r>
+            <a:r>
+              <a:rPr lang="en-GB" sz="2000" dirty="0"/>
+              <a:t> Consumption (MW).</a:t>
+            </a:r>
+          </a:p>
+          <a:p>
+            <a:pPr marL="0" indent="0" defTabSz="457200">
+              <a:lnSpc>
+                <a:spcPct val="100000"/>
+              </a:lnSpc>
+              <a:spcBef>
+                <a:spcPct val="20000"/>
+              </a:spcBef>
+              <a:buFont typeface="Arial"/>
+              <a:buNone/>
+            </a:pPr>
+            <a:endParaRPr lang="en-US" sz="2000" dirty="0"/>
+          </a:p>
+          <a:p>
+            <a:pPr marL="0" indent="0" defTabSz="457200">
+              <a:lnSpc>
+                <a:spcPct val="100000"/>
+              </a:lnSpc>
+              <a:spcBef>
+                <a:spcPct val="20000"/>
+              </a:spcBef>
+              <a:buFont typeface="Arial"/>
+              <a:buNone/>
+            </a:pPr>
+            <a:r>
+              <a:rPr sz="2000" b="1" dirty="0"/>
+              <a:t>2. Model Training:</a:t>
+            </a:r>
+            <a:endParaRPr lang="en-US" sz="2000" b="1" dirty="0"/>
+          </a:p>
+          <a:p>
+            <a:pPr defTabSz="457200">
+              <a:lnSpc>
+                <a:spcPct val="100000"/>
+              </a:lnSpc>
+              <a:spcBef>
+                <a:spcPct val="20000"/>
+              </a:spcBef>
+              <a:buFont typeface="Arial"/>
+            </a:pPr>
+            <a:r>
+              <a:rPr sz="2000" dirty="0"/>
+              <a:t>Split historical data into Train (80%) and Test (20%).</a:t>
+            </a:r>
+            <a:endParaRPr lang="en-US" sz="2000" dirty="0"/>
+          </a:p>
+          <a:p>
+            <a:pPr defTabSz="457200">
+              <a:lnSpc>
+                <a:spcPct val="100000"/>
+              </a:lnSpc>
+              <a:spcBef>
+                <a:spcPct val="20000"/>
+              </a:spcBef>
+              <a:buFont typeface="Arial"/>
+            </a:pPr>
+            <a:r>
+              <a:rPr sz="2000" dirty="0"/>
+              <a:t>Trained Gradient Boosted Tree (GBT) Regressor.</a:t>
+            </a:r>
+          </a:p>
+          <a:p>
+            <a:pPr defTabSz="457200">
+              <a:lnSpc>
+                <a:spcPct val="100000"/>
+              </a:lnSpc>
+              <a:spcBef>
+                <a:spcPct val="20000"/>
+              </a:spcBef>
+              <a:buFont typeface="Arial"/>
+            </a:pPr>
+            <a:endParaRPr sz="2000" dirty="0"/>
+          </a:p>
+          <a:p>
+            <a:pPr marL="0" indent="0" defTabSz="457200">
+              <a:lnSpc>
+                <a:spcPct val="100000"/>
+              </a:lnSpc>
+              <a:spcBef>
+                <a:spcPct val="20000"/>
+              </a:spcBef>
+              <a:buFont typeface="Arial"/>
+              <a:buNone/>
+            </a:pPr>
+            <a:r>
+              <a:rPr sz="2000" b="1" dirty="0"/>
+              <a:t>3. Forecasting:</a:t>
+            </a:r>
+            <a:endParaRPr lang="en-US" sz="2000" b="1" dirty="0"/>
+          </a:p>
+          <a:p>
+            <a:pPr defTabSz="457200">
+              <a:lnSpc>
+                <a:spcPct val="100000"/>
+              </a:lnSpc>
+              <a:spcBef>
+                <a:spcPct val="20000"/>
+              </a:spcBef>
+              <a:buFont typeface="Arial"/>
+            </a:pPr>
+            <a:r>
+              <a:rPr sz="2000" dirty="0"/>
+              <a:t>Generated future dates and derived features (e.g., Year, Month).</a:t>
+            </a:r>
+            <a:endParaRPr lang="en-US" sz="2000" dirty="0"/>
+          </a:p>
+          <a:p>
+            <a:pPr defTabSz="457200">
+              <a:lnSpc>
+                <a:spcPct val="100000"/>
+              </a:lnSpc>
+              <a:spcBef>
+                <a:spcPct val="20000"/>
+              </a:spcBef>
+              <a:buFont typeface="Arial"/>
+            </a:pPr>
+            <a:r>
+              <a:rPr sz="2000" dirty="0"/>
+              <a:t>Predicted Avg Consumption for the next 30 days using trained model.</a:t>
+            </a:r>
+          </a:p>
+        </p:txBody>
+      </p:sp>
+      <p:pic>
+        <p:nvPicPr>
+          <p:cNvPr id="4" name="Picture 3" descr="forecast_example_chart.png"/>
+          <p:cNvPicPr>
+            <a:picLocks noChangeAspect="1"/>
+          </p:cNvPicPr>
+          <p:nvPr/>
+        </p:nvPicPr>
+        <p:blipFill>
+          <a:blip r:embed="rId2"/>
+          <a:stretch>
+            <a:fillRect/>
+          </a:stretch>
+        </p:blipFill>
+        <p:spPr>
+          <a:xfrm>
+            <a:off x="7052604" y="1786597"/>
+            <a:ext cx="4301195" cy="4009292"/>
+          </a:xfrm>
+          <a:prstGeom prst="rect">
+            <a:avLst/>
+          </a:prstGeom>
+        </p:spPr>
+      </p:pic>
+    </p:spTree>
+  </p:cSld>
+  <p:clrMapOvr>
+    <a:masterClrMapping/>
+  </p:clrMapOvr>
+</p:sld>
+</file>
+
+<file path=ppt/slides/slide22.xml><?xml version="1.0" encoding="utf-8"?>
+<p:sld xmlns:a="http://schemas.openxmlformats.org/drawingml/2006/main" xmlns:r="http://schemas.openxmlformats.org/officeDocument/2006/relationships" xmlns:p="http://schemas.openxmlformats.org/presentationml/2006/main">
+  <p:cSld>
+    <p:spTree>
+      <p:nvGrpSpPr>
+        <p:cNvPr id="1" name=""/>
+        <p:cNvGrpSpPr/>
+        <p:nvPr/>
+      </p:nvGrpSpPr>
+      <p:grpSpPr>
+        <a:xfrm>
+          <a:off x="0" y="0"/>
+          <a:ext cx="0" cy="0"/>
+          <a:chOff x="0" y="0"/>
+          <a:chExt cx="0" cy="0"/>
+        </a:xfrm>
+      </p:grpSpPr>
+      <p:sp>
+        <p:nvSpPr>
           <p:cNvPr id="2" name="Title 1">
             <a:extLst>
               <a:ext uri="{FF2B5EF4-FFF2-40B4-BE49-F238E27FC236}">
@@ -28344,7 +29014,7 @@
 </p:sld>
 </file>
 
-<file path=ppt/slides/slide21.xml><?xml version="1.0" encoding="utf-8"?>
+<file path=ppt/slides/slide23.xml><?xml version="1.0" encoding="utf-8"?>
 <p:sld xmlns:a="http://schemas.openxmlformats.org/drawingml/2006/main" xmlns:r="http://schemas.openxmlformats.org/officeDocument/2006/relationships" xmlns:p="http://schemas.openxmlformats.org/presentationml/2006/main">
   <p:cSld>
     <p:spTree>
@@ -29040,7 +29710,7 @@
 </p:sld>
 </file>
 
-<file path=ppt/slides/slide22.xml><?xml version="1.0" encoding="utf-8"?>
+<file path=ppt/slides/slide24.xml><?xml version="1.0" encoding="utf-8"?>
 <p:sld xmlns:a="http://schemas.openxmlformats.org/drawingml/2006/main" xmlns:r="http://schemas.openxmlformats.org/officeDocument/2006/relationships" xmlns:p="http://schemas.openxmlformats.org/presentationml/2006/main">
   <p:cSld>
     <p:spTree>
@@ -29708,7 +30378,7 @@
 </p:sld>
 </file>
 
-<file path=ppt/slides/slide23.xml><?xml version="1.0" encoding="utf-8"?>
+<file path=ppt/slides/slide25.xml><?xml version="1.0" encoding="utf-8"?>
 <p:sld xmlns:a="http://schemas.openxmlformats.org/drawingml/2006/main" xmlns:r="http://schemas.openxmlformats.org/officeDocument/2006/relationships" xmlns:p="http://schemas.openxmlformats.org/presentationml/2006/main">
   <p:cSld>
     <p:spTree>
@@ -30531,7 +31201,7 @@
 </p:sld>
 </file>
 
-<file path=ppt/slides/slide24.xml><?xml version="1.0" encoding="utf-8"?>
+<file path=ppt/slides/slide26.xml><?xml version="1.0" encoding="utf-8"?>
 <p:sld xmlns:a="http://schemas.openxmlformats.org/drawingml/2006/main" xmlns:r="http://schemas.openxmlformats.org/officeDocument/2006/relationships" xmlns:p="http://schemas.openxmlformats.org/presentationml/2006/main">
   <p:cSld>
     <p:bg>
@@ -30934,7 +31604,7 @@
 </p:sld>
 </file>
 
-<file path=ppt/slides/slide25.xml><?xml version="1.0" encoding="utf-8"?>
+<file path=ppt/slides/slide27.xml><?xml version="1.0" encoding="utf-8"?>
 <p:sld xmlns:a="http://schemas.openxmlformats.org/drawingml/2006/main" xmlns:r="http://schemas.openxmlformats.org/officeDocument/2006/relationships" xmlns:p="http://schemas.openxmlformats.org/presentationml/2006/main">
   <p:cSld>
     <p:bg>
